--- a/Presentation and report/Linux on Demand.pptx
+++ b/Presentation and report/Linux on Demand.pptx
@@ -106,6 +106,11 @@
       </a:defRPr>
     </a:lvl9pPr>
   </p:defaultTextStyle>
+  <p:extLst>
+    <p:ext uri="{EFAFB233-063F-42B5-8137-9DF3F51BA10A}">
+      <p15:sldGuideLst xmlns:p15="http://schemas.microsoft.com/office/powerpoint/2012/main"/>
+    </p:ext>
+  </p:extLst>
 </p:presentation>
 </file>
 
@@ -3464,11 +3469,15 @@
           <a:p>
             <a:pPr algn="ctr"/>
             <a:r>
-              <a:rPr lang="it-IT" dirty="0">
+              <a:rPr lang="en-GB"/>
+              <a:t>infrastructure</a:t>
+            </a:r>
+            <a:r>
+              <a:rPr lang="it-IT">
                 <a:latin typeface="Times New Roman" panose="02020603050405020304" pitchFamily="18" charset="0"/>
                 <a:cs typeface="Times New Roman" panose="02020603050405020304" pitchFamily="18" charset="0"/>
               </a:rPr>
-              <a:t>Infrastrutture </a:t>
+              <a:t> </a:t>
             </a:r>
             <a:r>
               <a:rPr lang="it-IT" dirty="0" err="1">
